--- a/workshops/workshop_1/Slides.pptx
+++ b/workshops/workshop_1/Slides.pptx
@@ -248,7 +248,7 @@
           <a:p>
             <a:fld id="{8C5CB558-0EFB-6E46-8ABE-8A8DBD0AB4CF}" type="datetimeFigureOut">
               <a:rPr lang="en-US" smtClean="0"/>
-              <a:t>7/30/21</a:t>
+              <a:t>7/31/21</a:t>
             </a:fld>
             <a:endParaRPr lang="en-US"/>
           </a:p>
@@ -890,31 +890,6 @@
           <a:bodyPr/>
           <a:lstStyle/>
           <a:p>
-            <a:r>
-              <a:rPr lang="en-US" dirty="0"/>
-              <a:t>Explain to people there is a button in the bottom of Zoom menu you can use to call the tutor.</a:t>
-            </a:r>
-          </a:p>
-          <a:p>
-            <a:endParaRPr lang="en-US" dirty="0"/>
-          </a:p>
-          <a:p>
-            <a:r>
-              <a:rPr lang="en-US" dirty="0"/>
-              <a:t>Link to GitHub Classroom: https://</a:t>
-            </a:r>
-            <a:r>
-              <a:rPr lang="en-US" dirty="0" err="1"/>
-              <a:t>github.com</a:t>
-            </a:r>
-            <a:r>
-              <a:rPr lang="en-US" dirty="0"/>
-              <a:t>/SWEN900072021/Resources/tree/main/</a:t>
-            </a:r>
-            <a:r>
-              <a:rPr lang="en-US" dirty="0" err="1"/>
-              <a:t>how_to</a:t>
-            </a:r>
             <a:endParaRPr lang="en-US" dirty="0"/>
           </a:p>
         </p:txBody>
@@ -1135,7 +1110,7 @@
             <a:fld id="{1D8BD707-D9CF-40AE-B4C6-C98DA3205C09}" type="datetimeFigureOut">
               <a:rPr lang="en-US" smtClean="0"/>
               <a:pPr/>
-              <a:t>7/30/21</a:t>
+              <a:t>7/31/21</a:t>
             </a:fld>
             <a:endParaRPr lang="en-US"/>
           </a:p>
@@ -1300,7 +1275,7 @@
             <a:fld id="{1D8BD707-D9CF-40AE-B4C6-C98DA3205C09}" type="datetimeFigureOut">
               <a:rPr lang="en-US" smtClean="0"/>
               <a:pPr/>
-              <a:t>7/30/21</a:t>
+              <a:t>7/31/21</a:t>
             </a:fld>
             <a:endParaRPr lang="en-US"/>
           </a:p>
@@ -1475,7 +1450,7 @@
             <a:fld id="{1D8BD707-D9CF-40AE-B4C6-C98DA3205C09}" type="datetimeFigureOut">
               <a:rPr lang="en-US" smtClean="0"/>
               <a:pPr/>
-              <a:t>7/30/21</a:t>
+              <a:t>7/31/21</a:t>
             </a:fld>
             <a:endParaRPr lang="en-US"/>
           </a:p>
@@ -1640,7 +1615,7 @@
             <a:fld id="{1D8BD707-D9CF-40AE-B4C6-C98DA3205C09}" type="datetimeFigureOut">
               <a:rPr lang="en-US" smtClean="0"/>
               <a:pPr/>
-              <a:t>7/30/21</a:t>
+              <a:t>7/31/21</a:t>
             </a:fld>
             <a:endParaRPr lang="en-US"/>
           </a:p>
@@ -1882,7 +1857,7 @@
             <a:fld id="{1D8BD707-D9CF-40AE-B4C6-C98DA3205C09}" type="datetimeFigureOut">
               <a:rPr lang="en-US" smtClean="0"/>
               <a:pPr/>
-              <a:t>7/30/21</a:t>
+              <a:t>7/31/21</a:t>
             </a:fld>
             <a:endParaRPr lang="en-US"/>
           </a:p>
@@ -2164,7 +2139,7 @@
             <a:fld id="{1D8BD707-D9CF-40AE-B4C6-C98DA3205C09}" type="datetimeFigureOut">
               <a:rPr lang="en-US" smtClean="0"/>
               <a:pPr/>
-              <a:t>7/30/21</a:t>
+              <a:t>7/31/21</a:t>
             </a:fld>
             <a:endParaRPr lang="en-US"/>
           </a:p>
@@ -2580,7 +2555,7 @@
             <a:fld id="{1D8BD707-D9CF-40AE-B4C6-C98DA3205C09}" type="datetimeFigureOut">
               <a:rPr lang="en-US" smtClean="0"/>
               <a:pPr/>
-              <a:t>7/30/21</a:t>
+              <a:t>7/31/21</a:t>
             </a:fld>
             <a:endParaRPr lang="en-US"/>
           </a:p>
@@ -2694,7 +2669,7 @@
             <a:fld id="{1D8BD707-D9CF-40AE-B4C6-C98DA3205C09}" type="datetimeFigureOut">
               <a:rPr lang="en-US" smtClean="0"/>
               <a:pPr/>
-              <a:t>7/30/21</a:t>
+              <a:t>7/31/21</a:t>
             </a:fld>
             <a:endParaRPr lang="en-US"/>
           </a:p>
@@ -2786,7 +2761,7 @@
             <a:fld id="{1D8BD707-D9CF-40AE-B4C6-C98DA3205C09}" type="datetimeFigureOut">
               <a:rPr lang="en-US" smtClean="0"/>
               <a:pPr/>
-              <a:t>7/30/21</a:t>
+              <a:t>7/31/21</a:t>
             </a:fld>
             <a:endParaRPr lang="en-US"/>
           </a:p>
@@ -3058,7 +3033,7 @@
             <a:fld id="{1D8BD707-D9CF-40AE-B4C6-C98DA3205C09}" type="datetimeFigureOut">
               <a:rPr lang="en-US" smtClean="0"/>
               <a:pPr/>
-              <a:t>7/30/21</a:t>
+              <a:t>7/31/21</a:t>
             </a:fld>
             <a:endParaRPr lang="en-US"/>
           </a:p>
@@ -3307,7 +3282,7 @@
             <a:fld id="{1D8BD707-D9CF-40AE-B4C6-C98DA3205C09}" type="datetimeFigureOut">
               <a:rPr lang="en-US" smtClean="0"/>
               <a:pPr/>
-              <a:t>7/30/21</a:t>
+              <a:t>7/31/21</a:t>
             </a:fld>
             <a:endParaRPr lang="en-US"/>
           </a:p>
@@ -3515,7 +3490,7 @@
             <a:fld id="{1D8BD707-D9CF-40AE-B4C6-C98DA3205C09}" type="datetimeFigureOut">
               <a:rPr lang="en-US" smtClean="0"/>
               <a:pPr/>
-              <a:t>7/30/21</a:t>
+              <a:t>7/31/21</a:t>
             </a:fld>
             <a:endParaRPr lang="en-US"/>
           </a:p>
@@ -5948,6 +5923,31 @@
           <a:chExt cx="0" cy="0"/>
         </a:xfrm>
       </p:grpSpPr>
+      <p:sp>
+        <p:nvSpPr>
+          <p:cNvPr id="36" name="AutoShape 8">
+            <a:extLst>
+              <a:ext uri="{FF2B5EF4-FFF2-40B4-BE49-F238E27FC236}">
+                <a16:creationId xmlns:a16="http://schemas.microsoft.com/office/drawing/2014/main" id="{8C11A793-4DEF-D04B-96E3-DB6F58834A5F}"/>
+              </a:ext>
+            </a:extLst>
+          </p:cNvPr>
+          <p:cNvSpPr/>
+          <p:nvPr/>
+        </p:nvSpPr>
+        <p:spPr>
+          <a:xfrm>
+            <a:off x="11033771" y="1089452"/>
+            <a:ext cx="2341393" cy="560935"/>
+          </a:xfrm>
+          <a:prstGeom prst="rect">
+            <a:avLst/>
+          </a:prstGeom>
+          <a:solidFill>
+            <a:srgbClr val="FFDE00"/>
+          </a:solidFill>
+        </p:spPr>
+      </p:sp>
       <p:pic>
         <p:nvPicPr>
           <p:cNvPr id="4" name="Picture 4"/>
@@ -7136,7 +7136,7 @@
         </p:nvSpPr>
         <p:spPr>
           <a:xfrm rot="891149">
-            <a:off x="13699961" y="-7567865"/>
+            <a:off x="10547282" y="-7545326"/>
             <a:ext cx="16230600" cy="21982670"/>
           </a:xfrm>
           <a:prstGeom prst="rect">
@@ -7174,15 +7174,15 @@
         </p:nvSpPr>
         <p:spPr>
           <a:xfrm>
-            <a:off x="1283997" y="1085593"/>
-            <a:ext cx="9036050" cy="2139304"/>
+            <a:off x="1283996" y="1085593"/>
+            <a:ext cx="12203403" cy="1049262"/>
           </a:xfrm>
           <a:prstGeom prst="rect">
             <a:avLst/>
           </a:prstGeom>
         </p:spPr>
         <p:txBody>
-          <a:bodyPr lIns="0" tIns="0" rIns="0" bIns="0" rtlCol="0" anchor="t">
+          <a:bodyPr wrap="square" lIns="0" tIns="0" rIns="0" bIns="0" rtlCol="0" anchor="t">
             <a:spAutoFit/>
           </a:bodyPr>
           <a:lstStyle/>
@@ -7225,8 +7225,8 @@
         </p:nvSpPr>
         <p:spPr>
           <a:xfrm>
-            <a:off x="1422469" y="3428963"/>
-            <a:ext cx="3606731" cy="1261820"/>
+            <a:off x="1905000" y="3737245"/>
+            <a:ext cx="6300901" cy="620619"/>
           </a:xfrm>
           <a:prstGeom prst="rect">
             <a:avLst/>
@@ -7310,14 +7310,272 @@
         </p:blipFill>
         <p:spPr>
           <a:xfrm>
-            <a:off x="5635794" y="2155245"/>
-            <a:ext cx="11350280" cy="7622259"/>
+            <a:off x="1369162" y="4762500"/>
+            <a:ext cx="6808149" cy="4572000"/>
           </a:xfrm>
           <a:prstGeom prst="rect">
             <a:avLst/>
           </a:prstGeom>
         </p:spPr>
       </p:pic>
+      <p:sp>
+        <p:nvSpPr>
+          <p:cNvPr id="10" name="TextBox 20">
+            <a:extLst>
+              <a:ext uri="{FF2B5EF4-FFF2-40B4-BE49-F238E27FC236}">
+                <a16:creationId xmlns:a16="http://schemas.microsoft.com/office/drawing/2014/main" id="{7BE1900E-B571-F84C-A3EB-3F102D305FAD}"/>
+              </a:ext>
+            </a:extLst>
+          </p:cNvPr>
+          <p:cNvSpPr txBox="1"/>
+          <p:nvPr/>
+        </p:nvSpPr>
+        <p:spPr>
+          <a:xfrm>
+            <a:off x="11049000" y="3737245"/>
+            <a:ext cx="5715000" cy="3826625"/>
+          </a:xfrm>
+          <a:prstGeom prst="rect">
+            <a:avLst/>
+          </a:prstGeom>
+        </p:spPr>
+        <p:txBody>
+          <a:bodyPr wrap="square" lIns="0" tIns="0" rIns="0" bIns="0" rtlCol="0" anchor="t">
+            <a:spAutoFit/>
+          </a:bodyPr>
+          <a:lstStyle/>
+          <a:p>
+            <a:pPr marL="0" lvl="0" indent="0" algn="l">
+              <a:lnSpc>
+                <a:spcPts val="2520"/>
+              </a:lnSpc>
+              <a:spcBef>
+                <a:spcPct val="0"/>
+              </a:spcBef>
+            </a:pPr>
+            <a:r>
+              <a:rPr lang="en-US" sz="1800" b="1" u="none" dirty="0">
+                <a:solidFill>
+                  <a:srgbClr val="000000"/>
+                </a:solidFill>
+                <a:latin typeface="Open Sans" panose="020B0606030504020204" pitchFamily="34" charset="0"/>
+                <a:ea typeface="Open Sans" panose="020B0606030504020204" pitchFamily="34" charset="0"/>
+                <a:cs typeface="Open Sans" panose="020B0606030504020204" pitchFamily="34" charset="0"/>
+              </a:rPr>
+              <a:t>Put your hand up if you want to go to a break-out roo</a:t>
+            </a:r>
+            <a:r>
+              <a:rPr lang="en-US" b="1" dirty="0">
+                <a:solidFill>
+                  <a:srgbClr val="000000"/>
+                </a:solidFill>
+                <a:latin typeface="Open Sans" panose="020B0606030504020204" pitchFamily="34" charset="0"/>
+                <a:ea typeface="Open Sans" panose="020B0606030504020204" pitchFamily="34" charset="0"/>
+                <a:cs typeface="Open Sans" panose="020B0606030504020204" pitchFamily="34" charset="0"/>
+              </a:rPr>
+              <a:t>m. </a:t>
+            </a:r>
+            <a:r>
+              <a:rPr lang="en-US" dirty="0">
+                <a:solidFill>
+                  <a:srgbClr val="000000"/>
+                </a:solidFill>
+                <a:latin typeface="Open Sans" panose="020B0606030504020204" pitchFamily="34" charset="0"/>
+                <a:ea typeface="Open Sans" panose="020B0606030504020204" pitchFamily="34" charset="0"/>
+                <a:cs typeface="Open Sans" panose="020B0606030504020204" pitchFamily="34" charset="0"/>
+              </a:rPr>
+              <a:t>You should start working on:</a:t>
+            </a:r>
+            <a:endParaRPr lang="en-US" sz="1800" u="none" dirty="0">
+              <a:solidFill>
+                <a:srgbClr val="000000"/>
+              </a:solidFill>
+              <a:latin typeface="Open Sans" panose="020B0606030504020204" pitchFamily="34" charset="0"/>
+              <a:ea typeface="Open Sans" panose="020B0606030504020204" pitchFamily="34" charset="0"/>
+              <a:cs typeface="Open Sans" panose="020B0606030504020204" pitchFamily="34" charset="0"/>
+            </a:endParaRPr>
+          </a:p>
+          <a:p>
+            <a:pPr marL="342900" lvl="0" indent="-342900" algn="l">
+              <a:lnSpc>
+                <a:spcPts val="2520"/>
+              </a:lnSpc>
+              <a:spcBef>
+                <a:spcPct val="0"/>
+              </a:spcBef>
+              <a:buAutoNum type="arabicPeriod"/>
+            </a:pPr>
+            <a:r>
+              <a:rPr lang="en-US" dirty="0">
+                <a:solidFill>
+                  <a:srgbClr val="000000"/>
+                </a:solidFill>
+                <a:latin typeface="Open Sans" panose="020B0606030504020204" pitchFamily="34" charset="0"/>
+                <a:ea typeface="Open Sans" panose="020B0606030504020204" pitchFamily="34" charset="0"/>
+                <a:cs typeface="Open Sans" panose="020B0606030504020204" pitchFamily="34" charset="0"/>
+              </a:rPr>
+              <a:t>Download use cases template from LMS</a:t>
+            </a:r>
+          </a:p>
+          <a:p>
+            <a:pPr marL="342900" lvl="0" indent="-342900" algn="l">
+              <a:lnSpc>
+                <a:spcPts val="2520"/>
+              </a:lnSpc>
+              <a:spcBef>
+                <a:spcPct val="0"/>
+              </a:spcBef>
+              <a:buAutoNum type="arabicPeriod"/>
+            </a:pPr>
+            <a:endParaRPr lang="en-US" dirty="0">
+              <a:solidFill>
+                <a:srgbClr val="000000"/>
+              </a:solidFill>
+              <a:latin typeface="Open Sans" panose="020B0606030504020204" pitchFamily="34" charset="0"/>
+              <a:ea typeface="Open Sans" panose="020B0606030504020204" pitchFamily="34" charset="0"/>
+              <a:cs typeface="Open Sans" panose="020B0606030504020204" pitchFamily="34" charset="0"/>
+            </a:endParaRPr>
+          </a:p>
+          <a:p>
+            <a:pPr marL="342900" lvl="0" indent="-342900" algn="l">
+              <a:lnSpc>
+                <a:spcPts val="2520"/>
+              </a:lnSpc>
+              <a:spcBef>
+                <a:spcPct val="0"/>
+              </a:spcBef>
+              <a:buAutoNum type="arabicPeriod"/>
+            </a:pPr>
+            <a:r>
+              <a:rPr lang="en-US" sz="1800" u="none" dirty="0">
+                <a:solidFill>
+                  <a:srgbClr val="000000"/>
+                </a:solidFill>
+                <a:latin typeface="Open Sans" panose="020B0606030504020204" pitchFamily="34" charset="0"/>
+                <a:ea typeface="Open Sans" panose="020B0606030504020204" pitchFamily="34" charset="0"/>
+                <a:cs typeface="Open Sans" panose="020B0606030504020204" pitchFamily="34" charset="0"/>
+              </a:rPr>
+              <a:t>Accept GitHub Classrooms invitation</a:t>
+            </a:r>
+          </a:p>
+          <a:p>
+            <a:pPr marL="342900" lvl="0" indent="-342900" algn="l">
+              <a:lnSpc>
+                <a:spcPts val="2520"/>
+              </a:lnSpc>
+              <a:spcBef>
+                <a:spcPct val="0"/>
+              </a:spcBef>
+              <a:buAutoNum type="arabicPeriod"/>
+            </a:pPr>
+            <a:endParaRPr lang="en-US" sz="1800" u="none" dirty="0">
+              <a:solidFill>
+                <a:srgbClr val="000000"/>
+              </a:solidFill>
+              <a:latin typeface="Open Sans" panose="020B0606030504020204" pitchFamily="34" charset="0"/>
+              <a:ea typeface="Open Sans" panose="020B0606030504020204" pitchFamily="34" charset="0"/>
+              <a:cs typeface="Open Sans" panose="020B0606030504020204" pitchFamily="34" charset="0"/>
+            </a:endParaRPr>
+          </a:p>
+          <a:p>
+            <a:pPr marL="342900" lvl="0" indent="-342900">
+              <a:lnSpc>
+                <a:spcPts val="2520"/>
+              </a:lnSpc>
+              <a:spcBef>
+                <a:spcPct val="0"/>
+              </a:spcBef>
+              <a:buAutoNum type="arabicPeriod"/>
+            </a:pPr>
+            <a:r>
+              <a:rPr lang="en-US" sz="1800" u="none" dirty="0">
+                <a:solidFill>
+                  <a:srgbClr val="000000"/>
+                </a:solidFill>
+                <a:latin typeface="Open Sans" panose="020B0606030504020204" pitchFamily="34" charset="0"/>
+                <a:ea typeface="Open Sans" panose="020B0606030504020204" pitchFamily="34" charset="0"/>
+                <a:cs typeface="Open Sans" panose="020B0606030504020204" pitchFamily="34" charset="0"/>
+              </a:rPr>
+              <a:t>Start setting up your development environment: </a:t>
+            </a:r>
+            <a:r>
+              <a:rPr lang="en-US" dirty="0"/>
+              <a:t>https://</a:t>
+            </a:r>
+            <a:r>
+              <a:rPr lang="en-US" dirty="0" err="1"/>
+              <a:t>github.com</a:t>
+            </a:r>
+            <a:r>
+              <a:rPr lang="en-US" dirty="0"/>
+              <a:t>/SWEN900072021/Resources/tree/main/</a:t>
+            </a:r>
+            <a:r>
+              <a:rPr lang="en-US" dirty="0" err="1"/>
+              <a:t>how_to</a:t>
+            </a:r>
+            <a:r>
+              <a:rPr lang="en-US" sz="1800" u="none" dirty="0">
+                <a:solidFill>
+                  <a:srgbClr val="000000"/>
+                </a:solidFill>
+                <a:latin typeface="Open Sans" panose="020B0606030504020204" pitchFamily="34" charset="0"/>
+                <a:ea typeface="Open Sans" panose="020B0606030504020204" pitchFamily="34" charset="0"/>
+                <a:cs typeface="Open Sans" panose="020B0606030504020204" pitchFamily="34" charset="0"/>
+              </a:rPr>
+              <a:t> </a:t>
+            </a:r>
+          </a:p>
+          <a:p>
+            <a:pPr marL="342900" lvl="0" indent="-342900">
+              <a:lnSpc>
+                <a:spcPts val="2520"/>
+              </a:lnSpc>
+              <a:spcBef>
+                <a:spcPct val="0"/>
+              </a:spcBef>
+              <a:buAutoNum type="arabicPeriod"/>
+            </a:pPr>
+            <a:endParaRPr lang="en-US" dirty="0">
+              <a:solidFill>
+                <a:srgbClr val="000000"/>
+              </a:solidFill>
+              <a:latin typeface="Open Sans" panose="020B0606030504020204" pitchFamily="34" charset="0"/>
+              <a:ea typeface="Open Sans" panose="020B0606030504020204" pitchFamily="34" charset="0"/>
+              <a:cs typeface="Open Sans" panose="020B0606030504020204" pitchFamily="34" charset="0"/>
+            </a:endParaRPr>
+          </a:p>
+          <a:p>
+            <a:pPr lvl="0">
+              <a:lnSpc>
+                <a:spcPts val="2520"/>
+              </a:lnSpc>
+              <a:spcBef>
+                <a:spcPct val="0"/>
+              </a:spcBef>
+            </a:pPr>
+            <a:r>
+              <a:rPr lang="en-US" dirty="0">
+                <a:solidFill>
+                  <a:srgbClr val="000000"/>
+                </a:solidFill>
+                <a:latin typeface="Open Sans" panose="020B0606030504020204" pitchFamily="34" charset="0"/>
+                <a:ea typeface="Open Sans" panose="020B0606030504020204" pitchFamily="34" charset="0"/>
+                <a:cs typeface="Open Sans" panose="020B0606030504020204" pitchFamily="34" charset="0"/>
+              </a:rPr>
+              <a:t>I’ll be coming around to the break-out rooms, but if you need me, use the Ask for Help button.</a:t>
+            </a:r>
+            <a:endParaRPr lang="en-US" sz="1800" u="none" dirty="0">
+              <a:solidFill>
+                <a:srgbClr val="000000"/>
+              </a:solidFill>
+              <a:latin typeface="Open Sans" panose="020B0606030504020204" pitchFamily="34" charset="0"/>
+              <a:ea typeface="Open Sans" panose="020B0606030504020204" pitchFamily="34" charset="0"/>
+              <a:cs typeface="Open Sans" panose="020B0606030504020204" pitchFamily="34" charset="0"/>
+            </a:endParaRPr>
+          </a:p>
+        </p:txBody>
+      </p:sp>
     </p:spTree>
     <p:extLst>
       <p:ext uri="{BB962C8B-B14F-4D97-AF65-F5344CB8AC3E}">

--- a/workshops/workshop_1/Slides.pptx
+++ b/workshops/workshop_1/Slides.pptx
@@ -665,39 +665,14 @@
               <a:tabLst/>
               <a:defRPr/>
             </a:pPr>
-            <a:r>
-              <a:rPr lang="en-US" sz="1200" u="none" spc="-43" dirty="0">
-                <a:solidFill>
-                  <a:srgbClr val="FF0000"/>
-                </a:solidFill>
-                <a:latin typeface="Open Sans" panose="020B0606030504020204" pitchFamily="34" charset="0"/>
-                <a:ea typeface="Open Sans" panose="020B0606030504020204" pitchFamily="34" charset="0"/>
-                <a:cs typeface="Open Sans" panose="020B0606030504020204" pitchFamily="34" charset="0"/>
-              </a:rPr>
-              <a:t>Make sure they have a team and get </a:t>
-            </a:r>
-            <a:r>
-              <a:rPr lang="en-US" sz="1200" u="none" spc="-43" dirty="0" err="1">
-                <a:solidFill>
-                  <a:srgbClr val="FF0000"/>
-                </a:solidFill>
-                <a:latin typeface="Open Sans" panose="020B0606030504020204" pitchFamily="34" charset="0"/>
-                <a:ea typeface="Open Sans" panose="020B0606030504020204" pitchFamily="34" charset="0"/>
-                <a:cs typeface="Open Sans" panose="020B0606030504020204" pitchFamily="34" charset="0"/>
-              </a:rPr>
-              <a:t>github</a:t>
-            </a:r>
-            <a:r>
-              <a:rPr lang="en-US" sz="1200" u="none" spc="-43" dirty="0">
-                <a:solidFill>
-                  <a:srgbClr val="FF0000"/>
-                </a:solidFill>
-                <a:latin typeface="Open Sans" panose="020B0606030504020204" pitchFamily="34" charset="0"/>
-                <a:ea typeface="Open Sans" panose="020B0606030504020204" pitchFamily="34" charset="0"/>
-                <a:cs typeface="Open Sans" panose="020B0606030504020204" pitchFamily="34" charset="0"/>
-              </a:rPr>
-              <a:t> username.</a:t>
-            </a:r>
+            <a:endParaRPr lang="en-US" sz="1200" u="none" spc="-43" dirty="0">
+              <a:solidFill>
+                <a:srgbClr val="FF0000"/>
+              </a:solidFill>
+              <a:latin typeface="Open Sans" panose="020B0606030504020204" pitchFamily="34" charset="0"/>
+              <a:ea typeface="Open Sans" panose="020B0606030504020204" pitchFamily="34" charset="0"/>
+              <a:cs typeface="Open Sans" panose="020B0606030504020204" pitchFamily="34" charset="0"/>
+            </a:endParaRPr>
           </a:p>
         </p:txBody>
       </p:sp>
@@ -4101,10 +4076,10 @@
         </p:nvGrpSpPr>
         <p:grpSpPr>
           <a:xfrm>
-            <a:off x="1028700" y="5117446"/>
-            <a:ext cx="7429500" cy="4958896"/>
-            <a:chOff x="0" y="2886453"/>
-            <a:chExt cx="9906000" cy="6611860"/>
+            <a:off x="1024218" y="5117446"/>
+            <a:ext cx="7429500" cy="4654096"/>
+            <a:chOff x="-5976" y="2886453"/>
+            <a:chExt cx="9906000" cy="6205460"/>
           </a:xfrm>
         </p:grpSpPr>
         <p:sp>
@@ -4115,7 +4090,7 @@
           </p:nvSpPr>
           <p:spPr>
             <a:xfrm>
-              <a:off x="0" y="5562791"/>
+              <a:off x="-5976" y="5156391"/>
               <a:ext cx="9906000" cy="3935522"/>
             </a:xfrm>
             <a:prstGeom prst="rect">
@@ -5556,7 +5531,7 @@
         </p:nvSpPr>
         <p:spPr>
           <a:xfrm>
-            <a:off x="5334000" y="784732"/>
+            <a:off x="5577092" y="795062"/>
             <a:ext cx="7133815" cy="1378134"/>
           </a:xfrm>
           <a:prstGeom prst="rect">
@@ -7512,19 +7487,16 @@
             </a:r>
             <a:r>
               <a:rPr lang="en-US" dirty="0" err="1"/>
-              <a:t>how_to</a:t>
-            </a:r>
-            <a:r>
-              <a:rPr lang="en-US" sz="1800" u="none" dirty="0">
-                <a:solidFill>
-                  <a:srgbClr val="000000"/>
-                </a:solidFill>
-                <a:latin typeface="Open Sans" panose="020B0606030504020204" pitchFamily="34" charset="0"/>
-                <a:ea typeface="Open Sans" panose="020B0606030504020204" pitchFamily="34" charset="0"/>
-                <a:cs typeface="Open Sans" panose="020B0606030504020204" pitchFamily="34" charset="0"/>
-              </a:rPr>
-              <a:t> </a:t>
-            </a:r>
+              <a:t>setup_dev</a:t>
+            </a:r>
+            <a:endParaRPr lang="en-US" sz="1800" u="none" dirty="0">
+              <a:solidFill>
+                <a:srgbClr val="000000"/>
+              </a:solidFill>
+              <a:latin typeface="Open Sans" panose="020B0606030504020204" pitchFamily="34" charset="0"/>
+              <a:ea typeface="Open Sans" panose="020B0606030504020204" pitchFamily="34" charset="0"/>
+              <a:cs typeface="Open Sans" panose="020B0606030504020204" pitchFamily="34" charset="0"/>
+            </a:endParaRPr>
           </a:p>
           <a:p>
             <a:pPr marL="342900" lvl="0" indent="-342900">
